--- a/AFTERWORK.pptx
+++ b/AFTERWORK.pptx
@@ -16316,7 +16316,69 @@
                 <a:ea typeface="+mn-ea"/>
                 <a:cs typeface="+mn-cs"/>
               </a:rPr>
-              <a:t>Introduction aux Data Pipelines</a:t>
+              <a:t>Data Pipelines et </a:t>
+            </a:r>
+            <a:r>
+              <a:rPr lang="en-US" sz="4000" b="1" dirty="0">
+                <a:solidFill>
+                  <a:srgbClr val="131C1B"/>
+                </a:solidFill>
+                <a:effectLst>
+                  <a:outerShdw blurRad="38100" dist="38100" dir="2700000" algn="tl">
+                    <a:srgbClr val="000000">
+                      <a:alpha val="43137"/>
+                    </a:srgbClr>
+                  </a:outerShdw>
+                </a:effectLst>
+                <a:latin typeface="Calibri" panose="020F0502020204030204"/>
+              </a:rPr>
+              <a:t>D</a:t>
+            </a:r>
+            <a:r>
+              <a:rPr kumimoji="0" lang="en-US" sz="4000" b="1" i="0" u="none" strike="noStrike" kern="1200" cap="none" spc="0" normalizeH="0" baseline="0" noProof="0" dirty="0" err="1">
+                <a:ln>
+                  <a:noFill/>
+                </a:ln>
+                <a:solidFill>
+                  <a:srgbClr val="131C1B"/>
+                </a:solidFill>
+                <a:effectLst>
+                  <a:outerShdw blurRad="38100" dist="38100" dir="2700000" algn="tl">
+                    <a:srgbClr val="000000">
+                      <a:alpha val="43137"/>
+                    </a:srgbClr>
+                  </a:outerShdw>
+                </a:effectLst>
+                <a:uLnTx/>
+                <a:uFillTx/>
+                <a:latin typeface="Calibri" panose="020F0502020204030204"/>
+                <a:ea typeface="+mn-ea"/>
+                <a:cs typeface="+mn-cs"/>
+              </a:rPr>
+              <a:t>éploiement</a:t>
+            </a:r>
+            <a:r>
+              <a:rPr kumimoji="0" lang="en-US" sz="4000" b="1" i="0" u="none" strike="noStrike" kern="1200" cap="none" spc="0" normalizeH="0" baseline="0" noProof="0" dirty="0">
+                <a:ln>
+                  <a:noFill/>
+                </a:ln>
+                <a:solidFill>
+                  <a:srgbClr val="131C1B"/>
+                </a:solidFill>
+                <a:effectLst>
+                  <a:outerShdw blurRad="38100" dist="38100" dir="2700000" algn="tl">
+                    <a:srgbClr val="000000">
+                      <a:alpha val="43137"/>
+                    </a:srgbClr>
+                  </a:outerShdw>
+                </a:effectLst>
+                <a:uLnTx/>
+                <a:uFillTx/>
+                <a:latin typeface="Calibri" panose="020F0502020204030204"/>
+                <a:ea typeface="+mn-ea"/>
+                <a:cs typeface="+mn-cs"/>
+              </a:rPr>
+              <a:t> sur Kubernetes</a:t>
             </a:r>
             <a:endParaRPr kumimoji="0" lang="fr-FR" sz="4000" b="1" i="0" u="none" strike="noStrike" kern="1200" cap="none" spc="0" normalizeH="0" baseline="0" noProof="0" dirty="0">
               <a:ln>
@@ -17321,7 +17383,7 @@
         </p:nvGrpSpPr>
         <p:grpSpPr>
           <a:xfrm>
-            <a:off x="2556710" y="1254262"/>
+            <a:off x="2556710" y="1277446"/>
             <a:ext cx="8967097" cy="507811"/>
             <a:chOff x="175864" y="2741558"/>
             <a:chExt cx="28879539" cy="2246453"/>
@@ -17457,12 +17519,37 @@
                   <a:ea typeface="Tahoma" panose="020B0604030504040204" pitchFamily="34" charset="0"/>
                   <a:cs typeface="Tahoma" panose="020B0604030504040204" pitchFamily="34" charset="0"/>
                 </a:rPr>
-                <a:t>  Qu’est-ce qu’une Data Pipeline?</a:t>
+                <a:t>  </a:t>
+              </a:r>
+              <a:r>
+                <a:rPr lang="fr-FR" sz="2000" b="1" kern="0" dirty="0">
+                  <a:solidFill>
+                    <a:srgbClr val="000000"/>
+                  </a:solidFill>
+                  <a:effectLst>
+                    <a:outerShdw blurRad="38100" dist="38100" dir="2700000" algn="tl">
+                      <a:srgbClr val="000000">
+                        <a:alpha val="43137"/>
+                      </a:srgbClr>
+                    </a:outerShdw>
+                  </a:effectLst>
+                  <a:latin typeface="Tahoma" panose="020B0604030504040204" pitchFamily="34" charset="0"/>
+                  <a:ea typeface="Tahoma" panose="020B0604030504040204" pitchFamily="34" charset="0"/>
+                  <a:cs typeface="Tahoma" panose="020B0604030504040204" pitchFamily="34" charset="0"/>
+                </a:rPr>
+                <a:t>Qu’est-ce qu’une Data Pipeline?</a:t>
               </a:r>
               <a:endParaRPr sz="700" dirty="0">
                 <a:solidFill>
                   <a:srgbClr val="000000"/>
                 </a:solidFill>
+                <a:effectLst>
+                  <a:outerShdw blurRad="38100" dist="38100" dir="2700000" algn="tl">
+                    <a:srgbClr val="000000">
+                      <a:alpha val="43137"/>
+                    </a:srgbClr>
+                  </a:outerShdw>
+                </a:effectLst>
                 <a:latin typeface="Arial"/>
                 <a:ea typeface="Arial"/>
                 <a:cs typeface="Arial"/>
@@ -17535,7 +17622,7 @@
         </p:nvGrpSpPr>
         <p:grpSpPr>
           <a:xfrm>
-            <a:off x="2556718" y="1931938"/>
+            <a:off x="2555526" y="1909150"/>
             <a:ext cx="8968281" cy="507811"/>
             <a:chOff x="175864" y="2741563"/>
             <a:chExt cx="23227871" cy="2246455"/>
@@ -17664,6 +17751,13 @@
               </a:pPr>
               <a:r>
                 <a:rPr lang="fr-FR" altLang="fr-FR" sz="2000" b="1" dirty="0">
+                  <a:effectLst>
+                    <a:outerShdw blurRad="38100" dist="38100" dir="2700000" algn="tl">
+                      <a:srgbClr val="000000">
+                        <a:alpha val="43137"/>
+                      </a:srgbClr>
+                    </a:outerShdw>
+                  </a:effectLst>
                   <a:latin typeface="Poppins" panose="00000500000000000000" pitchFamily="2" charset="0"/>
                   <a:ea typeface="Tahoma" panose="020B0604030504040204" pitchFamily="34" charset="0"/>
                   <a:cs typeface="Poppins" panose="00000500000000000000" pitchFamily="2" charset="0"/>
@@ -17674,6 +17768,13 @@
                 <a:solidFill>
                   <a:srgbClr val="000000"/>
                 </a:solidFill>
+                <a:effectLst>
+                  <a:outerShdw blurRad="38100" dist="38100" dir="2700000" algn="tl">
+                    <a:srgbClr val="000000">
+                      <a:alpha val="43137"/>
+                    </a:srgbClr>
+                  </a:outerShdw>
+                </a:effectLst>
                 <a:latin typeface="Arial"/>
                 <a:ea typeface="Arial"/>
                 <a:cs typeface="Arial"/>
@@ -17714,7 +17815,7 @@
                 <a:buSzPts val="6000"/>
               </a:pPr>
               <a:r>
-                <a:rPr lang="fr-FR" sz="3000" b="1">
+                <a:rPr lang="fr-FR" sz="3000" b="1" dirty="0">
                   <a:solidFill>
                     <a:srgbClr val="FFC000"/>
                   </a:solidFill>
@@ -17725,7 +17826,7 @@
                 </a:rPr>
                 <a:t>02.</a:t>
               </a:r>
-              <a:endParaRPr sz="700">
+              <a:endParaRPr sz="700" dirty="0">
                 <a:solidFill>
                   <a:srgbClr val="000000"/>
                 </a:solidFill>
@@ -17875,6 +17976,13 @@
               </a:pPr>
               <a:r>
                 <a:rPr lang="fr-FR" altLang="fr-FR" sz="2000" b="1" dirty="0">
+                  <a:effectLst>
+                    <a:outerShdw blurRad="38100" dist="38100" dir="2700000" algn="tl">
+                      <a:srgbClr val="000000">
+                        <a:alpha val="43137"/>
+                      </a:srgbClr>
+                    </a:outerShdw>
+                  </a:effectLst>
                   <a:latin typeface="Poppins" panose="00000500000000000000" pitchFamily="2" charset="0"/>
                   <a:ea typeface="Tahoma" panose="020B0604030504040204" pitchFamily="34" charset="0"/>
                   <a:cs typeface="Poppins" panose="00000500000000000000" pitchFamily="2" charset="0"/>
@@ -17885,6 +17993,13 @@
                 <a:solidFill>
                   <a:srgbClr val="000000"/>
                 </a:solidFill>
+                <a:effectLst>
+                  <a:outerShdw blurRad="38100" dist="38100" dir="2700000" algn="tl">
+                    <a:srgbClr val="000000">
+                      <a:alpha val="43137"/>
+                    </a:srgbClr>
+                  </a:outerShdw>
+                </a:effectLst>
                 <a:latin typeface="Arial"/>
                 <a:ea typeface="Arial"/>
                 <a:cs typeface="Arial"/>
@@ -18086,6 +18201,13 @@
               </a:pPr>
               <a:r>
                 <a:rPr lang="fr-FR" sz="2000" b="1" dirty="0">
+                  <a:effectLst>
+                    <a:outerShdw blurRad="38100" dist="38100" dir="2700000" algn="tl">
+                      <a:srgbClr val="000000">
+                        <a:alpha val="43137"/>
+                      </a:srgbClr>
+                    </a:outerShdw>
+                  </a:effectLst>
                   <a:latin typeface="Century Gothic"/>
                   <a:ea typeface="Century Gothic"/>
                   <a:cs typeface="Century Gothic"/>
@@ -18097,6 +18219,13 @@
                 <a:solidFill>
                   <a:srgbClr val="000000"/>
                 </a:solidFill>
+                <a:effectLst>
+                  <a:outerShdw blurRad="38100" dist="38100" dir="2700000" algn="tl">
+                    <a:srgbClr val="000000">
+                      <a:alpha val="43137"/>
+                    </a:srgbClr>
+                  </a:outerShdw>
+                </a:effectLst>
                 <a:latin typeface="Arial"/>
                 <a:ea typeface="Arial"/>
                 <a:cs typeface="Arial"/>
@@ -18175,7 +18304,7 @@
         </p:nvGrpSpPr>
         <p:grpSpPr>
           <a:xfrm>
-            <a:off x="2555526" y="3807178"/>
+            <a:off x="2555526" y="3888915"/>
             <a:ext cx="8968281" cy="507811"/>
             <a:chOff x="175864" y="2741563"/>
             <a:chExt cx="23227871" cy="2246451"/>
@@ -18297,7 +18426,7 @@
           </p:nvSpPr>
           <p:spPr>
             <a:xfrm>
-              <a:off x="3386815" y="3081647"/>
+              <a:off x="2958089" y="3016077"/>
               <a:ext cx="15025333" cy="1565682"/>
             </a:xfrm>
             <a:prstGeom prst="rect">
@@ -18322,26 +18451,31 @@
               </a:pPr>
               <a:r>
                 <a:rPr lang="fr-FR" sz="2000" b="1" dirty="0">
+                  <a:effectLst>
+                    <a:outerShdw blurRad="38100" dist="38100" dir="2700000" algn="tl">
+                      <a:srgbClr val="000000">
+                        <a:alpha val="43137"/>
+                      </a:srgbClr>
+                    </a:outerShdw>
+                  </a:effectLst>
                   <a:latin typeface="Century Gothic"/>
                   <a:ea typeface="Century Gothic"/>
                   <a:cs typeface="Century Gothic"/>
                   <a:sym typeface="Century Gothic"/>
                 </a:rPr>
-                <a:t>Déploiement sur Kubernetes: Voir le </a:t>
-              </a:r>
-              <a:r>
-                <a:rPr lang="fr-FR" sz="2000" b="1" dirty="0" err="1">
-                  <a:latin typeface="Century Gothic"/>
-                  <a:ea typeface="Century Gothic"/>
-                  <a:cs typeface="Century Gothic"/>
-                  <a:sym typeface="Century Gothic"/>
-                </a:rPr>
-                <a:t>github</a:t>
+                <a:t>Déploiement sur Kubernetes: Voir le GitHub</a:t>
               </a:r>
               <a:endParaRPr lang="fr-FR" sz="700" dirty="0">
                 <a:solidFill>
                   <a:srgbClr val="000000"/>
                 </a:solidFill>
+                <a:effectLst>
+                  <a:outerShdw blurRad="38100" dist="38100" dir="2700000" algn="tl">
+                    <a:srgbClr val="000000">
+                      <a:alpha val="43137"/>
+                    </a:srgbClr>
+                  </a:outerShdw>
+                </a:effectLst>
                 <a:latin typeface="Arial"/>
                 <a:ea typeface="Arial"/>
                 <a:cs typeface="Arial"/>

--- a/AFTERWORK.pptx
+++ b/AFTERWORK.pptx
@@ -17758,9 +17758,9 @@
                       </a:srgbClr>
                     </a:outerShdw>
                   </a:effectLst>
-                  <a:latin typeface="Poppins" panose="00000500000000000000" pitchFamily="2" charset="0"/>
+                  <a:latin typeface="Tahoma" panose="020B0604030504040204" pitchFamily="34" charset="0"/>
                   <a:ea typeface="Tahoma" panose="020B0604030504040204" pitchFamily="34" charset="0"/>
-                  <a:cs typeface="Poppins" panose="00000500000000000000" pitchFamily="2" charset="0"/>
+                  <a:cs typeface="Tahoma" panose="020B0604030504040204" pitchFamily="34" charset="0"/>
                 </a:rPr>
                 <a:t>Phases clés d’une  Data Pipeline</a:t>
               </a:r>
@@ -17775,9 +17775,9 @@
                     </a:srgbClr>
                   </a:outerShdw>
                 </a:effectLst>
-                <a:latin typeface="Arial"/>
-                <a:ea typeface="Arial"/>
-                <a:cs typeface="Arial"/>
+                <a:latin typeface="Tahoma" panose="020B0604030504040204" pitchFamily="34" charset="0"/>
+                <a:ea typeface="Tahoma" panose="020B0604030504040204" pitchFamily="34" charset="0"/>
+                <a:cs typeface="Tahoma" panose="020B0604030504040204" pitchFamily="34" charset="0"/>
                 <a:sym typeface="Arial"/>
               </a:endParaRPr>
             </a:p>
@@ -18208,9 +18208,9 @@
                       </a:srgbClr>
                     </a:outerShdw>
                   </a:effectLst>
-                  <a:latin typeface="Century Gothic"/>
-                  <a:ea typeface="Century Gothic"/>
-                  <a:cs typeface="Century Gothic"/>
+                  <a:latin typeface="Tahoma" panose="020B0604030504040204" pitchFamily="34" charset="0"/>
+                  <a:ea typeface="Tahoma" panose="020B0604030504040204" pitchFamily="34" charset="0"/>
+                  <a:cs typeface="Tahoma" panose="020B0604030504040204" pitchFamily="34" charset="0"/>
                   <a:sym typeface="Century Gothic"/>
                 </a:rPr>
                 <a:t>Cas d’usage pertinents: Big Analytics</a:t>
@@ -18226,9 +18226,9 @@
                     </a:srgbClr>
                   </a:outerShdw>
                 </a:effectLst>
-                <a:latin typeface="Arial"/>
-                <a:ea typeface="Arial"/>
-                <a:cs typeface="Arial"/>
+                <a:latin typeface="Tahoma" panose="020B0604030504040204" pitchFamily="34" charset="0"/>
+                <a:ea typeface="Tahoma" panose="020B0604030504040204" pitchFamily="34" charset="0"/>
+                <a:cs typeface="Tahoma" panose="020B0604030504040204" pitchFamily="34" charset="0"/>
                 <a:sym typeface="Arial"/>
               </a:endParaRPr>
             </a:p>
@@ -18458,9 +18458,9 @@
                       </a:srgbClr>
                     </a:outerShdw>
                   </a:effectLst>
-                  <a:latin typeface="Century Gothic"/>
-                  <a:ea typeface="Century Gothic"/>
-                  <a:cs typeface="Century Gothic"/>
+                  <a:latin typeface="Tahoma" panose="020B0604030504040204" pitchFamily="34" charset="0"/>
+                  <a:ea typeface="Tahoma" panose="020B0604030504040204" pitchFamily="34" charset="0"/>
+                  <a:cs typeface="Tahoma" panose="020B0604030504040204" pitchFamily="34" charset="0"/>
                   <a:sym typeface="Century Gothic"/>
                 </a:rPr>
                 <a:t>Déploiement sur Kubernetes: Voir le GitHub</a:t>
@@ -18476,9 +18476,9 @@
                     </a:srgbClr>
                   </a:outerShdw>
                 </a:effectLst>
-                <a:latin typeface="Arial"/>
-                <a:ea typeface="Arial"/>
-                <a:cs typeface="Arial"/>
+                <a:latin typeface="Tahoma" panose="020B0604030504040204" pitchFamily="34" charset="0"/>
+                <a:ea typeface="Tahoma" panose="020B0604030504040204" pitchFamily="34" charset="0"/>
+                <a:cs typeface="Tahoma" panose="020B0604030504040204" pitchFamily="34" charset="0"/>
                 <a:sym typeface="Arial"/>
               </a:endParaRPr>
             </a:p>
